--- a/ONEPAGER-Lakshmi Jha.pptx
+++ b/ONEPAGER-Lakshmi Jha.pptx
@@ -249,7 +249,7 @@
             <a:fld id="{86C988DC-9DE3-4390-97AB-D61B85DACE57}" type="datetimeFigureOut">
               <a:rPr lang="pt-PT" sz="900" smtClean="0"/>
               <a:pPr/>
-              <a:t>04/10/2021</a:t>
+              <a:t>05/10/2021</a:t>
             </a:fld>
             <a:endParaRPr lang="pt-PT" sz="900"/>
           </a:p>
@@ -428,7 +428,7 @@
             <a:fld id="{0835B8F7-DAC4-4931-8AED-4356A8B2FD64}" type="datetimeFigureOut">
               <a:rPr lang="pt-BR" smtClean="0"/>
               <a:pPr/>
-              <a:t>04/10/2021</a:t>
+              <a:t>05/10/2021</a:t>
             </a:fld>
             <a:endParaRPr lang="pt-BR"/>
           </a:p>
@@ -828,7 +828,7 @@
           <a:graphicData uri="http://schemas.openxmlformats.org/presentationml/2006/ole">
             <mc:AlternateContent xmlns:mc="http://schemas.openxmlformats.org/markup-compatibility/2006">
               <mc:Choice xmlns:v="urn:schemas-microsoft-com:vml" Requires="v">
-                <p:oleObj spid="_x0000_s4123" name="think-cell Slide" r:id="rId6" imgW="360" imgH="360" progId="">
+                <p:oleObj spid="_x0000_s4125" name="think-cell Slide" r:id="rId6" imgW="360" imgH="360" progId="">
                   <p:embed/>
                 </p:oleObj>
               </mc:Choice>
@@ -2263,7 +2263,7 @@
           <a:graphicData uri="http://schemas.openxmlformats.org/presentationml/2006/ole">
             <mc:AlternateContent xmlns:mc="http://schemas.openxmlformats.org/markup-compatibility/2006">
               <mc:Choice xmlns:v="urn:schemas-microsoft-com:vml" Requires="v">
-                <p:oleObj spid="_x0000_s10267" name="think-cell Slide" r:id="rId4" imgW="270" imgH="270" progId="TCLayout.ActiveDocument.1">
+                <p:oleObj spid="_x0000_s10269" name="think-cell Slide" r:id="rId4" imgW="270" imgH="270" progId="TCLayout.ActiveDocument.1">
                   <p:embed/>
                 </p:oleObj>
               </mc:Choice>
@@ -2737,7 +2737,7 @@
           <a:graphicData uri="http://schemas.openxmlformats.org/presentationml/2006/ole">
             <mc:AlternateContent xmlns:mc="http://schemas.openxmlformats.org/markup-compatibility/2006">
               <mc:Choice xmlns:v="urn:schemas-microsoft-com:vml" Requires="v">
-                <p:oleObj spid="_x0000_s11291" name="think-cell Slide" r:id="rId4" imgW="270" imgH="270" progId="TCLayout.ActiveDocument.1">
+                <p:oleObj spid="_x0000_s11293" name="think-cell Slide" r:id="rId4" imgW="270" imgH="270" progId="TCLayout.ActiveDocument.1">
                   <p:embed/>
                 </p:oleObj>
               </mc:Choice>
@@ -2864,7 +2864,7 @@
           <a:graphicData uri="http://schemas.openxmlformats.org/presentationml/2006/ole">
             <mc:AlternateContent xmlns:mc="http://schemas.openxmlformats.org/markup-compatibility/2006">
               <mc:Choice xmlns:v="urn:schemas-microsoft-com:vml" Requires="v">
-                <p:oleObj spid="_x0000_s12315" name="think-cell Slide" r:id="rId4" imgW="270" imgH="270" progId="TCLayout.ActiveDocument.1">
+                <p:oleObj spid="_x0000_s12317" name="think-cell Slide" r:id="rId4" imgW="270" imgH="270" progId="TCLayout.ActiveDocument.1">
                   <p:embed/>
                 </p:oleObj>
               </mc:Choice>
@@ -4398,7 +4398,7 @@
           <a:graphicData uri="http://schemas.openxmlformats.org/presentationml/2006/ole">
             <mc:AlternateContent xmlns:mc="http://schemas.openxmlformats.org/markup-compatibility/2006">
               <mc:Choice xmlns:v="urn:schemas-microsoft-com:vml" Requires="v">
-                <p:oleObj spid="_x0000_s5147" name="think-cell Slide" r:id="rId7" imgW="360" imgH="360" progId="">
+                <p:oleObj spid="_x0000_s5149" name="think-cell Slide" r:id="rId7" imgW="360" imgH="360" progId="">
                   <p:embed/>
                 </p:oleObj>
               </mc:Choice>
@@ -5297,7 +5297,7 @@
           <a:graphicData uri="http://schemas.openxmlformats.org/presentationml/2006/ole">
             <mc:AlternateContent xmlns:mc="http://schemas.openxmlformats.org/markup-compatibility/2006">
               <mc:Choice xmlns:v="urn:schemas-microsoft-com:vml" Requires="v">
-                <p:oleObj spid="_x0000_s19483" name="think-cell Slide" r:id="rId4" imgW="270" imgH="270" progId="TCLayout.ActiveDocument.1">
+                <p:oleObj spid="_x0000_s19485" name="think-cell Slide" r:id="rId4" imgW="270" imgH="270" progId="TCLayout.ActiveDocument.1">
                   <p:embed/>
                 </p:oleObj>
               </mc:Choice>
@@ -5771,7 +5771,7 @@
           <a:graphicData uri="http://schemas.openxmlformats.org/presentationml/2006/ole">
             <mc:AlternateContent xmlns:mc="http://schemas.openxmlformats.org/markup-compatibility/2006">
               <mc:Choice xmlns:v="urn:schemas-microsoft-com:vml" Requires="v">
-                <p:oleObj spid="_x0000_s20507" name="think-cell Slide" r:id="rId4" imgW="270" imgH="270" progId="TCLayout.ActiveDocument.1">
+                <p:oleObj spid="_x0000_s20509" name="think-cell Slide" r:id="rId4" imgW="270" imgH="270" progId="TCLayout.ActiveDocument.1">
                   <p:embed/>
                 </p:oleObj>
               </mc:Choice>
@@ -7686,7 +7686,7 @@
           <a:graphicData uri="http://schemas.openxmlformats.org/presentationml/2006/ole">
             <mc:AlternateContent xmlns:mc="http://schemas.openxmlformats.org/markup-compatibility/2006">
               <mc:Choice xmlns:v="urn:schemas-microsoft-com:vml" Requires="v">
-                <p:oleObj spid="_x0000_s21531" name="think-cell Slide" r:id="rId4" imgW="270" imgH="270" progId="TCLayout.ActiveDocument.1">
+                <p:oleObj spid="_x0000_s21533" name="think-cell Slide" r:id="rId4" imgW="270" imgH="270" progId="TCLayout.ActiveDocument.1">
                   <p:embed/>
                 </p:oleObj>
               </mc:Choice>
@@ -11237,7 +11237,7 @@
           <a:graphicData uri="http://schemas.openxmlformats.org/presentationml/2006/ole">
             <mc:AlternateContent xmlns:mc="http://schemas.openxmlformats.org/markup-compatibility/2006">
               <mc:Choice xmlns:v="urn:schemas-microsoft-com:vml" Requires="v">
-                <p:oleObj spid="_x0000_s6171" name="think-cell Slide" r:id="rId7" imgW="360" imgH="360" progId="">
+                <p:oleObj spid="_x0000_s6173" name="think-cell Slide" r:id="rId7" imgW="360" imgH="360" progId="">
                   <p:embed/>
                 </p:oleObj>
               </mc:Choice>
@@ -11483,7 +11483,7 @@
           <a:graphicData uri="http://schemas.openxmlformats.org/presentationml/2006/ole">
             <mc:AlternateContent xmlns:mc="http://schemas.openxmlformats.org/markup-compatibility/2006">
               <mc:Choice xmlns:v="urn:schemas-microsoft-com:vml" Requires="v">
-                <p:oleObj spid="_x0000_s7195" name="think-cell Slide" r:id="rId9" imgW="360" imgH="360" progId="">
+                <p:oleObj spid="_x0000_s7197" name="think-cell Slide" r:id="rId9" imgW="360" imgH="360" progId="">
                   <p:embed/>
                 </p:oleObj>
               </mc:Choice>
@@ -12674,7 +12674,7 @@
           <a:graphicData uri="http://schemas.openxmlformats.org/presentationml/2006/ole">
             <mc:AlternateContent xmlns:mc="http://schemas.openxmlformats.org/markup-compatibility/2006">
               <mc:Choice xmlns:v="urn:schemas-microsoft-com:vml" Requires="v">
-                <p:oleObj spid="_x0000_s8219" name="think-cell Slide" r:id="rId5" imgW="360" imgH="360" progId="">
+                <p:oleObj spid="_x0000_s8221" name="think-cell Slide" r:id="rId5" imgW="360" imgH="360" progId="">
                   <p:embed/>
                 </p:oleObj>
               </mc:Choice>
@@ -12808,7 +12808,7 @@
           <a:graphicData uri="http://schemas.openxmlformats.org/presentationml/2006/ole">
             <mc:AlternateContent xmlns:mc="http://schemas.openxmlformats.org/markup-compatibility/2006">
               <mc:Choice xmlns:v="urn:schemas-microsoft-com:vml" Requires="v">
-                <p:oleObj spid="_x0000_s9243" name="think-cell Slide" r:id="rId4" imgW="360" imgH="360" progId="">
+                <p:oleObj spid="_x0000_s9245" name="think-cell Slide" r:id="rId4" imgW="360" imgH="360" progId="">
                   <p:embed/>
                 </p:oleObj>
               </mc:Choice>
@@ -13002,7 +13002,7 @@
             <a:fld id="{425404F2-BE9A-4460-8815-8F645183555F}" type="datetimeFigureOut">
               <a:rPr lang="en-US" smtClean="0"/>
               <a:pPr/>
-              <a:t>10/4/2021</a:t>
+              <a:t>10/5/2021</a:t>
             </a:fld>
             <a:endParaRPr lang="en-US"/>
           </a:p>
@@ -13217,7 +13217,7 @@
           <a:graphicData uri="http://schemas.openxmlformats.org/presentationml/2006/ole">
             <mc:AlternateContent xmlns:mc="http://schemas.openxmlformats.org/markup-compatibility/2006">
               <mc:Choice xmlns:v="urn:schemas-microsoft-com:vml" Requires="v">
-                <p:oleObj spid="_x0000_s3099" name="think-cell Slide" r:id="rId25" imgW="360" imgH="360" progId="">
+                <p:oleObj spid="_x0000_s3101" name="think-cell Slide" r:id="rId25" imgW="360" imgH="360" progId="">
                   <p:embed/>
                 </p:oleObj>
               </mc:Choice>
@@ -15954,7 +15954,7 @@
           <a:graphicData uri="http://schemas.openxmlformats.org/presentationml/2006/ole">
             <mc:AlternateContent xmlns:mc="http://schemas.openxmlformats.org/markup-compatibility/2006">
               <mc:Choice xmlns:v="urn:schemas-microsoft-com:vml" Requires="v">
-                <p:oleObj spid="_x0000_s18459" name="think-cell Slide" r:id="rId14" imgW="270" imgH="270" progId="TCLayout.ActiveDocument.1">
+                <p:oleObj spid="_x0000_s18461" name="think-cell Slide" r:id="rId14" imgW="270" imgH="270" progId="TCLayout.ActiveDocument.1">
                   <p:embed/>
                 </p:oleObj>
               </mc:Choice>
@@ -20918,6 +20918,21 @@
 </file>
 
 <file path=customXml/item1.xml><?xml version="1.0" encoding="utf-8"?>
+<p:properties xmlns:p="http://schemas.microsoft.com/office/2006/metadata/properties" xmlns:xsi="http://www.w3.org/2001/XMLSchema-instance" xmlns:pc="http://schemas.microsoft.com/office/infopath/2007/PartnerControls">
+  <documentManagement/>
+</p:properties>
+</file>
+
+<file path=customXml/item2.xml><?xml version="1.0" encoding="utf-8"?>
+<?mso-contentType ?>
+<FormTemplates xmlns="http://schemas.microsoft.com/sharepoint/v3/contenttype/forms">
+  <Display>DocumentLibraryForm</Display>
+  <Edit>DocumentLibraryForm</Edit>
+  <New>DocumentLibraryForm</New>
+</FormTemplates>
+</file>
+
+<file path=customXml/item3.xml><?xml version="1.0" encoding="utf-8"?>
 <ct:contentTypeSchema xmlns:ct="http://schemas.microsoft.com/office/2006/metadata/contentType" xmlns:ma="http://schemas.microsoft.com/office/2006/metadata/properties/metaAttributes" ct:_="" ma:_="" ma:contentTypeName="Document" ma:contentTypeID="0x010100C33155D503BFC942A57BA969F1C4EED5" ma:contentTypeVersion="13" ma:contentTypeDescription="Create a new document." ma:contentTypeScope="" ma:versionID="c80b1f7ea370ae896a5b6e523a0cf15c">
   <xsd:schema xmlns:xsd="http://www.w3.org/2001/XMLSchema" xmlns:xs="http://www.w3.org/2001/XMLSchema" xmlns:p="http://schemas.microsoft.com/office/2006/metadata/properties" xmlns:ns3="25289c4b-8fd1-4155-b56f-82d6fa13afd3" xmlns:ns4="c43bfbf7-b5f8-4451-8464-ef79a2e28ca1" targetNamespace="http://schemas.microsoft.com/office/2006/metadata/properties" ma:root="true" ma:fieldsID="376fee7e205f44b9967171b065daf661" ns3:_="" ns4:_="">
     <xsd:import namespace="25289c4b-8fd1-4155-b56f-82d6fa13afd3"/>
@@ -21140,22 +21155,24 @@
 </ct:contentTypeSchema>
 </file>
 
-<file path=customXml/item2.xml><?xml version="1.0" encoding="utf-8"?>
-<?mso-contentType ?>
-<FormTemplates xmlns="http://schemas.microsoft.com/sharepoint/v3/contenttype/forms">
-  <Display>DocumentLibraryForm</Display>
-  <Edit>DocumentLibraryForm</Edit>
-  <New>DocumentLibraryForm</New>
-</FormTemplates>
+<file path=customXml/itemProps1.xml><?xml version="1.0" encoding="utf-8"?>
+<ds:datastoreItem xmlns:ds="http://schemas.openxmlformats.org/officeDocument/2006/customXml" ds:itemID="{5430857F-5B57-4BA6-87F2-356B3F6438EF}">
+  <ds:schemaRefs>
+    <ds:schemaRef ds:uri="http://schemas.microsoft.com/office/2006/metadata/properties"/>
+    <ds:schemaRef ds:uri="http://schemas.microsoft.com/office/infopath/2007/PartnerControls"/>
+  </ds:schemaRefs>
+</ds:datastoreItem>
 </file>
 
-<file path=customXml/item3.xml><?xml version="1.0" encoding="utf-8"?>
-<p:properties xmlns:p="http://schemas.microsoft.com/office/2006/metadata/properties" xmlns:xsi="http://www.w3.org/2001/XMLSchema-instance" xmlns:pc="http://schemas.microsoft.com/office/infopath/2007/PartnerControls">
-  <documentManagement/>
-</p:properties>
+<file path=customXml/itemProps2.xml><?xml version="1.0" encoding="utf-8"?>
+<ds:datastoreItem xmlns:ds="http://schemas.openxmlformats.org/officeDocument/2006/customXml" ds:itemID="{C79773B3-BEED-4422-883D-E6632C7C7120}">
+  <ds:schemaRefs>
+    <ds:schemaRef ds:uri="http://schemas.microsoft.com/sharepoint/v3/contenttype/forms"/>
+  </ds:schemaRefs>
+</ds:datastoreItem>
 </file>
 
-<file path=customXml/itemProps1.xml><?xml version="1.0" encoding="utf-8"?>
+<file path=customXml/itemProps3.xml><?xml version="1.0" encoding="utf-8"?>
 <ds:datastoreItem xmlns:ds="http://schemas.openxmlformats.org/officeDocument/2006/customXml" ds:itemID="{E53A1F87-ED7F-4CA8-8D06-B3888A424EC9}">
   <ds:schemaRefs>
     <ds:schemaRef ds:uri="http://schemas.microsoft.com/office/2006/metadata/contentType"/>
@@ -21172,21 +21189,4 @@
     <ds:schemaRef ds:uri="http://schemas.microsoft.com/internal/obd"/>
   </ds:schemaRefs>
 </ds:datastoreItem>
-</file>
-
-<file path=customXml/itemProps2.xml><?xml version="1.0" encoding="utf-8"?>
-<ds:datastoreItem xmlns:ds="http://schemas.openxmlformats.org/officeDocument/2006/customXml" ds:itemID="{C79773B3-BEED-4422-883D-E6632C7C7120}">
-  <ds:schemaRefs>
-    <ds:schemaRef ds:uri="http://schemas.microsoft.com/sharepoint/v3/contenttype/forms"/>
-  </ds:schemaRefs>
-</ds:datastoreItem>
-</file>
-
-<file path=customXml/itemProps3.xml><?xml version="1.0" encoding="utf-8"?>
-<ds:datastoreItem xmlns:ds="http://schemas.openxmlformats.org/officeDocument/2006/customXml" ds:itemID="{5430857F-5B57-4BA6-87F2-356B3F6438EF}">
-  <ds:schemaRefs>
-    <ds:schemaRef ds:uri="http://schemas.microsoft.com/office/2006/metadata/properties"/>
-    <ds:schemaRef ds:uri="http://schemas.microsoft.com/office/infopath/2007/PartnerControls"/>
-  </ds:schemaRefs>
-</ds:datastoreItem>
 </file>
--- a/ONEPAGER-Lakshmi Jha.pptx
+++ b/ONEPAGER-Lakshmi Jha.pptx
@@ -145,13 +145,41 @@
 </p:presentation>
 </file>
 
-<file path=ppt/revisionInfo.xml><?xml version="1.0" encoding="utf-8"?>
-<p1510:revInfo xmlns:a="http://schemas.openxmlformats.org/drawingml/2006/main" xmlns:r="http://schemas.openxmlformats.org/officeDocument/2006/relationships" xmlns:p1510="http://schemas.microsoft.com/office/powerpoint/2015/10/main">
-  <p1510:revLst>
-    <p1510:client id="{AC50A7E9-CB84-4BF0-AD9D-B7BA5EC23CA2}" v="3" dt="2021-05-24T05:32:37.184"/>
-    <p1510:client id="{BDA56503-2F5F-4890-A981-3E802E3B1002}" v="206" dt="2021-05-23T16:16:25.114"/>
-  </p1510:revLst>
-</p1510:revInfo>
+<file path=ppt/changesInfos/changesInfo1.xml><?xml version="1.0" encoding="utf-8"?>
+<pc:chgInfo xmlns:a="http://schemas.openxmlformats.org/drawingml/2006/main" xmlns:r="http://schemas.openxmlformats.org/officeDocument/2006/relationships" xmlns:ac="http://schemas.microsoft.com/office/drawing/2013/main/command" xmlns:pc="http://schemas.microsoft.com/office/powerpoint/2013/main/command">
+  <pc:docChgLst>
+    <pc:chgData name="Lakshmi Jha" userId="13477075da94b68e" providerId="LiveId" clId="{560C51C4-93DA-4466-9154-060D591F9003}"/>
+    <pc:docChg chg="undo custSel modSld">
+      <pc:chgData name="Lakshmi Jha" userId="13477075da94b68e" providerId="LiveId" clId="{560C51C4-93DA-4466-9154-060D591F9003}" dt="2021-10-05T02:38:16.582" v="43" actId="20577"/>
+      <pc:docMkLst>
+        <pc:docMk/>
+      </pc:docMkLst>
+      <pc:sldChg chg="modSp mod">
+        <pc:chgData name="Lakshmi Jha" userId="13477075da94b68e" providerId="LiveId" clId="{560C51C4-93DA-4466-9154-060D591F9003}" dt="2021-10-05T02:38:16.582" v="43" actId="20577"/>
+        <pc:sldMkLst>
+          <pc:docMk/>
+          <pc:sldMk cId="2035430305" sldId="1990"/>
+        </pc:sldMkLst>
+        <pc:spChg chg="mod">
+          <ac:chgData name="Lakshmi Jha" userId="13477075da94b68e" providerId="LiveId" clId="{560C51C4-93DA-4466-9154-060D591F9003}" dt="2021-10-05T02:38:16.582" v="43" actId="20577"/>
+          <ac:spMkLst>
+            <pc:docMk/>
+            <pc:sldMk cId="2035430305" sldId="1990"/>
+            <ac:spMk id="7170" creationId="{4EF0A5D5-CB77-4BCF-86BB-EC8AFA4AA0E3}"/>
+          </ac:spMkLst>
+        </pc:spChg>
+        <pc:spChg chg="mod">
+          <ac:chgData name="Lakshmi Jha" userId="13477075da94b68e" providerId="LiveId" clId="{560C51C4-93DA-4466-9154-060D591F9003}" dt="2021-10-05T02:36:35.387" v="37" actId="20577"/>
+          <ac:spMkLst>
+            <pc:docMk/>
+            <pc:sldMk cId="2035430305" sldId="1990"/>
+            <ac:spMk id="7175" creationId="{BADEA8C0-D1A3-4608-9E63-683339DCC944}"/>
+          </ac:spMkLst>
+        </pc:spChg>
+      </pc:sldChg>
+    </pc:docChg>
+  </pc:docChgLst>
+</pc:chgInfo>
 </file>
 
 <file path=ppt/handoutMasters/handoutMaster1.xml><?xml version="1.0" encoding="utf-8"?>
@@ -816,7 +844,7 @@
           </p:cNvGraphicFramePr>
           <p:nvPr>
             <p:custDataLst>
-              <p:tags r:id="rId2"/>
+              <p:tags r:id="rId1"/>
             </p:custDataLst>
           </p:nvPr>
         </p:nvGraphicFramePr>
@@ -828,12 +856,12 @@
           <a:graphicData uri="http://schemas.openxmlformats.org/presentationml/2006/ole">
             <mc:AlternateContent xmlns:mc="http://schemas.openxmlformats.org/markup-compatibility/2006">
               <mc:Choice xmlns:v="urn:schemas-microsoft-com:vml" Requires="v">
-                <p:oleObj spid="_x0000_s4125" name="think-cell Slide" r:id="rId6" imgW="360" imgH="360" progId="">
+                <p:oleObj name="think-cell Slide" r:id="rId5" imgW="360" imgH="360" progId="">
                   <p:embed/>
                 </p:oleObj>
               </mc:Choice>
               <mc:Fallback>
-                <p:oleObj name="think-cell Slide" r:id="rId6" imgW="360" imgH="360" progId="">
+                <p:oleObj name="think-cell Slide" r:id="rId5" imgW="360" imgH="360" progId="">
                   <p:embed/>
                   <p:pic>
                     <p:nvPicPr>
@@ -844,7 +872,7 @@
                       <p:nvPr/>
                     </p:nvPicPr>
                     <p:blipFill>
-                      <a:blip r:embed="rId7">
+                      <a:blip r:embed="rId6">
                         <a:extLst>
                           <a:ext uri="{28A0092B-C50C-407E-A947-70E740481C1C}">
                             <a14:useLocalDpi xmlns:a14="http://schemas.microsoft.com/office/drawing/2010/main" val="0"/>
@@ -891,7 +919,7 @@
           <p:nvPr>
             <p:ph type="title" hasCustomPrompt="1"/>
             <p:custDataLst>
-              <p:tags r:id="rId3"/>
+              <p:tags r:id="rId2"/>
             </p:custDataLst>
           </p:nvPr>
         </p:nvSpPr>
@@ -921,7 +949,7 @@
           <p:nvPr>
             <p:ph idx="1" hasCustomPrompt="1"/>
             <p:custDataLst>
-              <p:tags r:id="rId4"/>
+              <p:tags r:id="rId3"/>
             </p:custDataLst>
           </p:nvPr>
         </p:nvSpPr>
@@ -2251,7 +2279,7 @@
           </p:cNvGraphicFramePr>
           <p:nvPr>
             <p:custDataLst>
-              <p:tags r:id="rId2"/>
+              <p:tags r:id="rId1"/>
             </p:custDataLst>
           </p:nvPr>
         </p:nvGraphicFramePr>
@@ -2263,12 +2291,12 @@
           <a:graphicData uri="http://schemas.openxmlformats.org/presentationml/2006/ole">
             <mc:AlternateContent xmlns:mc="http://schemas.openxmlformats.org/markup-compatibility/2006">
               <mc:Choice xmlns:v="urn:schemas-microsoft-com:vml" Requires="v">
-                <p:oleObj spid="_x0000_s10269" name="think-cell Slide" r:id="rId4" imgW="270" imgH="270" progId="TCLayout.ActiveDocument.1">
+                <p:oleObj name="think-cell Slide" r:id="rId3" imgW="270" imgH="270" progId="TCLayout.ActiveDocument.1">
                   <p:embed/>
                 </p:oleObj>
               </mc:Choice>
               <mc:Fallback>
-                <p:oleObj name="think-cell Slide" r:id="rId4" imgW="270" imgH="270" progId="TCLayout.ActiveDocument.1">
+                <p:oleObj name="think-cell Slide" r:id="rId3" imgW="270" imgH="270" progId="TCLayout.ActiveDocument.1">
                   <p:embed/>
                   <p:pic>
                     <p:nvPicPr>
@@ -2279,7 +2307,7 @@
                       <p:nvPr/>
                     </p:nvPicPr>
                     <p:blipFill>
-                      <a:blip r:embed="rId5">
+                      <a:blip r:embed="rId4">
                         <a:extLst>
                           <a:ext uri="{28A0092B-C50C-407E-A947-70E740481C1C}">
                             <a14:useLocalDpi xmlns:a14="http://schemas.microsoft.com/office/drawing/2010/main" val="0"/>
@@ -2725,7 +2753,7 @@
           </p:cNvGraphicFramePr>
           <p:nvPr>
             <p:custDataLst>
-              <p:tags r:id="rId2"/>
+              <p:tags r:id="rId1"/>
             </p:custDataLst>
           </p:nvPr>
         </p:nvGraphicFramePr>
@@ -2737,12 +2765,12 @@
           <a:graphicData uri="http://schemas.openxmlformats.org/presentationml/2006/ole">
             <mc:AlternateContent xmlns:mc="http://schemas.openxmlformats.org/markup-compatibility/2006">
               <mc:Choice xmlns:v="urn:schemas-microsoft-com:vml" Requires="v">
-                <p:oleObj spid="_x0000_s11293" name="think-cell Slide" r:id="rId4" imgW="270" imgH="270" progId="TCLayout.ActiveDocument.1">
+                <p:oleObj name="think-cell Slide" r:id="rId3" imgW="270" imgH="270" progId="TCLayout.ActiveDocument.1">
                   <p:embed/>
                 </p:oleObj>
               </mc:Choice>
               <mc:Fallback>
-                <p:oleObj name="think-cell Slide" r:id="rId4" imgW="270" imgH="270" progId="TCLayout.ActiveDocument.1">
+                <p:oleObj name="think-cell Slide" r:id="rId3" imgW="270" imgH="270" progId="TCLayout.ActiveDocument.1">
                   <p:embed/>
                   <p:pic>
                     <p:nvPicPr>
@@ -2753,7 +2781,7 @@
                       <p:nvPr/>
                     </p:nvPicPr>
                     <p:blipFill>
-                      <a:blip r:embed="rId5">
+                      <a:blip r:embed="rId4">
                         <a:extLst>
                           <a:ext uri="{28A0092B-C50C-407E-A947-70E740481C1C}">
                             <a14:useLocalDpi xmlns:a14="http://schemas.microsoft.com/office/drawing/2010/main" val="0"/>
@@ -2852,7 +2880,7 @@
           </p:cNvGraphicFramePr>
           <p:nvPr>
             <p:custDataLst>
-              <p:tags r:id="rId2"/>
+              <p:tags r:id="rId1"/>
             </p:custDataLst>
           </p:nvPr>
         </p:nvGraphicFramePr>
@@ -2864,12 +2892,12 @@
           <a:graphicData uri="http://schemas.openxmlformats.org/presentationml/2006/ole">
             <mc:AlternateContent xmlns:mc="http://schemas.openxmlformats.org/markup-compatibility/2006">
               <mc:Choice xmlns:v="urn:schemas-microsoft-com:vml" Requires="v">
-                <p:oleObj spid="_x0000_s12317" name="think-cell Slide" r:id="rId4" imgW="270" imgH="270" progId="TCLayout.ActiveDocument.1">
+                <p:oleObj name="think-cell Slide" r:id="rId3" imgW="270" imgH="270" progId="TCLayout.ActiveDocument.1">
                   <p:embed/>
                 </p:oleObj>
               </mc:Choice>
               <mc:Fallback>
-                <p:oleObj name="think-cell Slide" r:id="rId4" imgW="270" imgH="270" progId="TCLayout.ActiveDocument.1">
+                <p:oleObj name="think-cell Slide" r:id="rId3" imgW="270" imgH="270" progId="TCLayout.ActiveDocument.1">
                   <p:embed/>
                   <p:pic>
                     <p:nvPicPr>
@@ -2880,7 +2908,7 @@
                       <p:nvPr/>
                     </p:nvPicPr>
                     <p:blipFill>
-                      <a:blip r:embed="rId5">
+                      <a:blip r:embed="rId4">
                         <a:extLst>
                           <a:ext uri="{28A0092B-C50C-407E-A947-70E740481C1C}">
                             <a14:useLocalDpi xmlns:a14="http://schemas.microsoft.com/office/drawing/2010/main" val="0"/>
@@ -4386,7 +4414,7 @@
           </p:cNvGraphicFramePr>
           <p:nvPr>
             <p:custDataLst>
-              <p:tags r:id="rId2"/>
+              <p:tags r:id="rId1"/>
             </p:custDataLst>
           </p:nvPr>
         </p:nvGraphicFramePr>
@@ -4398,12 +4426,12 @@
           <a:graphicData uri="http://schemas.openxmlformats.org/presentationml/2006/ole">
             <mc:AlternateContent xmlns:mc="http://schemas.openxmlformats.org/markup-compatibility/2006">
               <mc:Choice xmlns:v="urn:schemas-microsoft-com:vml" Requires="v">
-                <p:oleObj spid="_x0000_s5149" name="think-cell Slide" r:id="rId7" imgW="360" imgH="360" progId="">
+                <p:oleObj name="think-cell Slide" r:id="rId6" imgW="360" imgH="360" progId="">
                   <p:embed/>
                 </p:oleObj>
               </mc:Choice>
               <mc:Fallback>
-                <p:oleObj name="think-cell Slide" r:id="rId7" imgW="360" imgH="360" progId="">
+                <p:oleObj name="think-cell Slide" r:id="rId6" imgW="360" imgH="360" progId="">
                   <p:embed/>
                   <p:pic>
                     <p:nvPicPr>
@@ -4414,7 +4442,7 @@
                       <p:nvPr/>
                     </p:nvPicPr>
                     <p:blipFill>
-                      <a:blip r:embed="rId8">
+                      <a:blip r:embed="rId7">
                         <a:extLst>
                           <a:ext uri="{28A0092B-C50C-407E-A947-70E740481C1C}">
                             <a14:useLocalDpi xmlns:a14="http://schemas.microsoft.com/office/drawing/2010/main" val="0"/>
@@ -4461,7 +4489,7 @@
           <p:nvPr>
             <p:ph type="title" hasCustomPrompt="1"/>
             <p:custDataLst>
-              <p:tags r:id="rId3"/>
+              <p:tags r:id="rId2"/>
             </p:custDataLst>
           </p:nvPr>
         </p:nvSpPr>
@@ -4491,7 +4519,7 @@
           <p:nvPr>
             <p:ph idx="1" hasCustomPrompt="1"/>
             <p:custDataLst>
-              <p:tags r:id="rId4"/>
+              <p:tags r:id="rId3"/>
             </p:custDataLst>
           </p:nvPr>
         </p:nvSpPr>
@@ -4547,7 +4575,7 @@
           <p:nvPr>
             <p:ph type="body" sz="quarter" idx="11" hasCustomPrompt="1"/>
             <p:custDataLst>
-              <p:tags r:id="rId5"/>
+              <p:tags r:id="rId4"/>
             </p:custDataLst>
           </p:nvPr>
         </p:nvSpPr>
@@ -5285,7 +5313,7 @@
           </p:cNvGraphicFramePr>
           <p:nvPr>
             <p:custDataLst>
-              <p:tags r:id="rId2"/>
+              <p:tags r:id="rId1"/>
             </p:custDataLst>
           </p:nvPr>
         </p:nvGraphicFramePr>
@@ -5297,12 +5325,12 @@
           <a:graphicData uri="http://schemas.openxmlformats.org/presentationml/2006/ole">
             <mc:AlternateContent xmlns:mc="http://schemas.openxmlformats.org/markup-compatibility/2006">
               <mc:Choice xmlns:v="urn:schemas-microsoft-com:vml" Requires="v">
-                <p:oleObj spid="_x0000_s19485" name="think-cell Slide" r:id="rId4" imgW="270" imgH="270" progId="TCLayout.ActiveDocument.1">
+                <p:oleObj name="think-cell Slide" r:id="rId3" imgW="270" imgH="270" progId="TCLayout.ActiveDocument.1">
                   <p:embed/>
                 </p:oleObj>
               </mc:Choice>
               <mc:Fallback>
-                <p:oleObj name="think-cell Slide" r:id="rId4" imgW="270" imgH="270" progId="TCLayout.ActiveDocument.1">
+                <p:oleObj name="think-cell Slide" r:id="rId3" imgW="270" imgH="270" progId="TCLayout.ActiveDocument.1">
                   <p:embed/>
                   <p:pic>
                     <p:nvPicPr>
@@ -5313,7 +5341,7 @@
                       <p:nvPr/>
                     </p:nvPicPr>
                     <p:blipFill>
-                      <a:blip r:embed="rId5">
+                      <a:blip r:embed="rId4">
                         <a:extLst>
                           <a:ext uri="{28A0092B-C50C-407E-A947-70E740481C1C}">
                             <a14:useLocalDpi xmlns:a14="http://schemas.microsoft.com/office/drawing/2010/main" val="0"/>
@@ -5759,7 +5787,7 @@
           </p:cNvGraphicFramePr>
           <p:nvPr>
             <p:custDataLst>
-              <p:tags r:id="rId2"/>
+              <p:tags r:id="rId1"/>
             </p:custDataLst>
           </p:nvPr>
         </p:nvGraphicFramePr>
@@ -5771,12 +5799,12 @@
           <a:graphicData uri="http://schemas.openxmlformats.org/presentationml/2006/ole">
             <mc:AlternateContent xmlns:mc="http://schemas.openxmlformats.org/markup-compatibility/2006">
               <mc:Choice xmlns:v="urn:schemas-microsoft-com:vml" Requires="v">
-                <p:oleObj spid="_x0000_s20509" name="think-cell Slide" r:id="rId4" imgW="270" imgH="270" progId="TCLayout.ActiveDocument.1">
+                <p:oleObj name="think-cell Slide" r:id="rId3" imgW="270" imgH="270" progId="TCLayout.ActiveDocument.1">
                   <p:embed/>
                 </p:oleObj>
               </mc:Choice>
               <mc:Fallback>
-                <p:oleObj name="think-cell Slide" r:id="rId4" imgW="270" imgH="270" progId="TCLayout.ActiveDocument.1">
+                <p:oleObj name="think-cell Slide" r:id="rId3" imgW="270" imgH="270" progId="TCLayout.ActiveDocument.1">
                   <p:embed/>
                   <p:pic>
                     <p:nvPicPr>
@@ -5787,7 +5815,7 @@
                       <p:nvPr/>
                     </p:nvPicPr>
                     <p:blipFill>
-                      <a:blip r:embed="rId5">
+                      <a:blip r:embed="rId4">
                         <a:extLst>
                           <a:ext uri="{28A0092B-C50C-407E-A947-70E740481C1C}">
                             <a14:useLocalDpi xmlns:a14="http://schemas.microsoft.com/office/drawing/2010/main" val="0"/>
@@ -7674,7 +7702,7 @@
           </p:cNvGraphicFramePr>
           <p:nvPr>
             <p:custDataLst>
-              <p:tags r:id="rId2"/>
+              <p:tags r:id="rId1"/>
             </p:custDataLst>
           </p:nvPr>
         </p:nvGraphicFramePr>
@@ -7686,12 +7714,12 @@
           <a:graphicData uri="http://schemas.openxmlformats.org/presentationml/2006/ole">
             <mc:AlternateContent xmlns:mc="http://schemas.openxmlformats.org/markup-compatibility/2006">
               <mc:Choice xmlns:v="urn:schemas-microsoft-com:vml" Requires="v">
-                <p:oleObj spid="_x0000_s21533" name="think-cell Slide" r:id="rId4" imgW="270" imgH="270" progId="TCLayout.ActiveDocument.1">
+                <p:oleObj name="think-cell Slide" r:id="rId3" imgW="270" imgH="270" progId="TCLayout.ActiveDocument.1">
                   <p:embed/>
                 </p:oleObj>
               </mc:Choice>
               <mc:Fallback>
-                <p:oleObj name="think-cell Slide" r:id="rId4" imgW="270" imgH="270" progId="TCLayout.ActiveDocument.1">
+                <p:oleObj name="think-cell Slide" r:id="rId3" imgW="270" imgH="270" progId="TCLayout.ActiveDocument.1">
                   <p:embed/>
                   <p:pic>
                     <p:nvPicPr>
@@ -7702,7 +7730,7 @@
                       <p:nvPr/>
                     </p:nvPicPr>
                     <p:blipFill>
-                      <a:blip r:embed="rId5">
+                      <a:blip r:embed="rId4">
                         <a:extLst>
                           <a:ext uri="{28A0092B-C50C-407E-A947-70E740481C1C}">
                             <a14:useLocalDpi xmlns:a14="http://schemas.microsoft.com/office/drawing/2010/main" val="0"/>
@@ -11225,7 +11253,7 @@
           </p:cNvGraphicFramePr>
           <p:nvPr>
             <p:custDataLst>
-              <p:tags r:id="rId2"/>
+              <p:tags r:id="rId1"/>
             </p:custDataLst>
           </p:nvPr>
         </p:nvGraphicFramePr>
@@ -11237,12 +11265,12 @@
           <a:graphicData uri="http://schemas.openxmlformats.org/presentationml/2006/ole">
             <mc:AlternateContent xmlns:mc="http://schemas.openxmlformats.org/markup-compatibility/2006">
               <mc:Choice xmlns:v="urn:schemas-microsoft-com:vml" Requires="v">
-                <p:oleObj spid="_x0000_s6173" name="think-cell Slide" r:id="rId7" imgW="360" imgH="360" progId="">
+                <p:oleObj name="think-cell Slide" r:id="rId6" imgW="360" imgH="360" progId="">
                   <p:embed/>
                 </p:oleObj>
               </mc:Choice>
               <mc:Fallback>
-                <p:oleObj name="think-cell Slide" r:id="rId7" imgW="360" imgH="360" progId="">
+                <p:oleObj name="think-cell Slide" r:id="rId6" imgW="360" imgH="360" progId="">
                   <p:embed/>
                   <p:pic>
                     <p:nvPicPr>
@@ -11253,7 +11281,7 @@
                       <p:nvPr/>
                     </p:nvPicPr>
                     <p:blipFill>
-                      <a:blip r:embed="rId8">
+                      <a:blip r:embed="rId7">
                         <a:extLst>
                           <a:ext uri="{28A0092B-C50C-407E-A947-70E740481C1C}">
                             <a14:useLocalDpi xmlns:a14="http://schemas.microsoft.com/office/drawing/2010/main" val="0"/>
@@ -11300,7 +11328,7 @@
           <p:nvPr>
             <p:ph type="title" hasCustomPrompt="1"/>
             <p:custDataLst>
-              <p:tags r:id="rId3"/>
+              <p:tags r:id="rId2"/>
             </p:custDataLst>
           </p:nvPr>
         </p:nvSpPr>
@@ -11330,7 +11358,7 @@
           <p:nvPr>
             <p:ph sz="quarter" idx="10" hasCustomPrompt="1"/>
             <p:custDataLst>
-              <p:tags r:id="rId4"/>
+              <p:tags r:id="rId3"/>
             </p:custDataLst>
           </p:nvPr>
         </p:nvSpPr>
@@ -11386,7 +11414,7 @@
           <p:nvPr>
             <p:ph sz="quarter" idx="11" hasCustomPrompt="1"/>
             <p:custDataLst>
-              <p:tags r:id="rId5"/>
+              <p:tags r:id="rId4"/>
             </p:custDataLst>
           </p:nvPr>
         </p:nvSpPr>
@@ -11471,7 +11499,7 @@
           </p:cNvGraphicFramePr>
           <p:nvPr>
             <p:custDataLst>
-              <p:tags r:id="rId2"/>
+              <p:tags r:id="rId1"/>
             </p:custDataLst>
           </p:nvPr>
         </p:nvGraphicFramePr>
@@ -11483,12 +11511,12 @@
           <a:graphicData uri="http://schemas.openxmlformats.org/presentationml/2006/ole">
             <mc:AlternateContent xmlns:mc="http://schemas.openxmlformats.org/markup-compatibility/2006">
               <mc:Choice xmlns:v="urn:schemas-microsoft-com:vml" Requires="v">
-                <p:oleObj spid="_x0000_s7197" name="think-cell Slide" r:id="rId9" imgW="360" imgH="360" progId="">
+                <p:oleObj name="think-cell Slide" r:id="rId8" imgW="360" imgH="360" progId="">
                   <p:embed/>
                 </p:oleObj>
               </mc:Choice>
               <mc:Fallback>
-                <p:oleObj name="think-cell Slide" r:id="rId9" imgW="360" imgH="360" progId="">
+                <p:oleObj name="think-cell Slide" r:id="rId8" imgW="360" imgH="360" progId="">
                   <p:embed/>
                   <p:pic>
                     <p:nvPicPr>
@@ -11499,7 +11527,7 @@
                       <p:nvPr/>
                     </p:nvPicPr>
                     <p:blipFill>
-                      <a:blip r:embed="rId10">
+                      <a:blip r:embed="rId9">
                         <a:extLst>
                           <a:ext uri="{28A0092B-C50C-407E-A947-70E740481C1C}">
                             <a14:useLocalDpi xmlns:a14="http://schemas.microsoft.com/office/drawing/2010/main" val="0"/>
@@ -11546,7 +11574,7 @@
           <p:nvPr>
             <p:ph type="title" hasCustomPrompt="1"/>
             <p:custDataLst>
-              <p:tags r:id="rId3"/>
+              <p:tags r:id="rId2"/>
             </p:custDataLst>
           </p:nvPr>
         </p:nvSpPr>
@@ -11576,7 +11604,7 @@
           <p:nvPr>
             <p:ph sz="quarter" idx="10" hasCustomPrompt="1"/>
             <p:custDataLst>
-              <p:tags r:id="rId4"/>
+              <p:tags r:id="rId3"/>
             </p:custDataLst>
           </p:nvPr>
         </p:nvSpPr>
@@ -11641,7 +11669,7 @@
           <p:nvPr>
             <p:ph sz="quarter" idx="11" hasCustomPrompt="1"/>
             <p:custDataLst>
-              <p:tags r:id="rId5"/>
+              <p:tags r:id="rId4"/>
             </p:custDataLst>
           </p:nvPr>
         </p:nvSpPr>
@@ -11706,7 +11734,7 @@
           <p:nvPr>
             <p:ph type="body" sz="quarter" idx="12" hasCustomPrompt="1"/>
             <p:custDataLst>
-              <p:tags r:id="rId6"/>
+              <p:tags r:id="rId5"/>
             </p:custDataLst>
           </p:nvPr>
         </p:nvSpPr>
@@ -11752,7 +11780,7 @@
           <p:nvPr>
             <p:ph type="body" sz="quarter" idx="13" hasCustomPrompt="1"/>
             <p:custDataLst>
-              <p:tags r:id="rId7"/>
+              <p:tags r:id="rId6"/>
             </p:custDataLst>
           </p:nvPr>
         </p:nvSpPr>
@@ -12662,7 +12690,7 @@
           </p:cNvGraphicFramePr>
           <p:nvPr>
             <p:custDataLst>
-              <p:tags r:id="rId2"/>
+              <p:tags r:id="rId1"/>
             </p:custDataLst>
           </p:nvPr>
         </p:nvGraphicFramePr>
@@ -12674,12 +12702,12 @@
           <a:graphicData uri="http://schemas.openxmlformats.org/presentationml/2006/ole">
             <mc:AlternateContent xmlns:mc="http://schemas.openxmlformats.org/markup-compatibility/2006">
               <mc:Choice xmlns:v="urn:schemas-microsoft-com:vml" Requires="v">
-                <p:oleObj spid="_x0000_s8221" name="think-cell Slide" r:id="rId5" imgW="360" imgH="360" progId="">
+                <p:oleObj name="think-cell Slide" r:id="rId4" imgW="360" imgH="360" progId="">
                   <p:embed/>
                 </p:oleObj>
               </mc:Choice>
               <mc:Fallback>
-                <p:oleObj name="think-cell Slide" r:id="rId5" imgW="360" imgH="360" progId="">
+                <p:oleObj name="think-cell Slide" r:id="rId4" imgW="360" imgH="360" progId="">
                   <p:embed/>
                   <p:pic>
                     <p:nvPicPr>
@@ -12690,7 +12718,7 @@
                       <p:nvPr/>
                     </p:nvPicPr>
                     <p:blipFill>
-                      <a:blip r:embed="rId6">
+                      <a:blip r:embed="rId5">
                         <a:extLst>
                           <a:ext uri="{28A0092B-C50C-407E-A947-70E740481C1C}">
                             <a14:useLocalDpi xmlns:a14="http://schemas.microsoft.com/office/drawing/2010/main" val="0"/>
@@ -12737,7 +12765,7 @@
           <p:nvPr>
             <p:ph type="title" hasCustomPrompt="1"/>
             <p:custDataLst>
-              <p:tags r:id="rId3"/>
+              <p:tags r:id="rId2"/>
             </p:custDataLst>
           </p:nvPr>
         </p:nvSpPr>
@@ -12796,7 +12824,7 @@
           </p:cNvGraphicFramePr>
           <p:nvPr>
             <p:custDataLst>
-              <p:tags r:id="rId2"/>
+              <p:tags r:id="rId1"/>
             </p:custDataLst>
           </p:nvPr>
         </p:nvGraphicFramePr>
@@ -12808,12 +12836,12 @@
           <a:graphicData uri="http://schemas.openxmlformats.org/presentationml/2006/ole">
             <mc:AlternateContent xmlns:mc="http://schemas.openxmlformats.org/markup-compatibility/2006">
               <mc:Choice xmlns:v="urn:schemas-microsoft-com:vml" Requires="v">
-                <p:oleObj spid="_x0000_s9245" name="think-cell Slide" r:id="rId4" imgW="360" imgH="360" progId="">
+                <p:oleObj name="think-cell Slide" r:id="rId3" imgW="360" imgH="360" progId="">
                   <p:embed/>
                 </p:oleObj>
               </mc:Choice>
               <mc:Fallback>
-                <p:oleObj name="think-cell Slide" r:id="rId4" imgW="360" imgH="360" progId="">
+                <p:oleObj name="think-cell Slide" r:id="rId3" imgW="360" imgH="360" progId="">
                   <p:embed/>
                   <p:pic>
                     <p:nvPicPr>
@@ -12824,7 +12852,7 @@
                       <p:nvPr/>
                     </p:nvPicPr>
                     <p:blipFill>
-                      <a:blip r:embed="rId5">
+                      <a:blip r:embed="rId4">
                         <a:extLst>
                           <a:ext uri="{28A0092B-C50C-407E-A947-70E740481C1C}">
                             <a14:useLocalDpi xmlns:a14="http://schemas.microsoft.com/office/drawing/2010/main" val="0"/>
@@ -13205,7 +13233,7 @@
           </p:cNvGraphicFramePr>
           <p:nvPr>
             <p:custDataLst>
-              <p:tags r:id="rId19"/>
+              <p:tags r:id="rId18"/>
             </p:custDataLst>
           </p:nvPr>
         </p:nvGraphicFramePr>
@@ -13217,12 +13245,12 @@
           <a:graphicData uri="http://schemas.openxmlformats.org/presentationml/2006/ole">
             <mc:AlternateContent xmlns:mc="http://schemas.openxmlformats.org/markup-compatibility/2006">
               <mc:Choice xmlns:v="urn:schemas-microsoft-com:vml" Requires="v">
-                <p:oleObj spid="_x0000_s3101" name="think-cell Slide" r:id="rId25" imgW="360" imgH="360" progId="">
+                <p:oleObj name="think-cell Slide" r:id="rId24" imgW="360" imgH="360" progId="">
                   <p:embed/>
                 </p:oleObj>
               </mc:Choice>
               <mc:Fallback>
-                <p:oleObj name="think-cell Slide" r:id="rId25" imgW="360" imgH="360" progId="">
+                <p:oleObj name="think-cell Slide" r:id="rId24" imgW="360" imgH="360" progId="">
                   <p:embed/>
                   <p:pic>
                     <p:nvPicPr>
@@ -13233,7 +13261,7 @@
                       <p:nvPr/>
                     </p:nvPicPr>
                     <p:blipFill>
-                      <a:blip r:embed="rId26">
+                      <a:blip r:embed="rId25">
                         <a:extLst>
                           <a:ext uri="{28A0092B-C50C-407E-A947-70E740481C1C}">
                             <a14:useLocalDpi xmlns:a14="http://schemas.microsoft.com/office/drawing/2010/main" val="0"/>
@@ -13280,7 +13308,7 @@
           <p:nvPr>
             <p:ph type="title"/>
             <p:custDataLst>
-              <p:tags r:id="rId20"/>
+              <p:tags r:id="rId19"/>
             </p:custDataLst>
           </p:nvPr>
         </p:nvSpPr>
@@ -13316,7 +13344,7 @@
           <p:nvPr>
             <p:ph type="body" idx="1"/>
             <p:custDataLst>
-              <p:tags r:id="rId21"/>
+              <p:tags r:id="rId20"/>
             </p:custDataLst>
           </p:nvPr>
         </p:nvSpPr>
@@ -13372,7 +13400,7 @@
           </p:cNvSpPr>
           <p:nvPr>
             <p:custDataLst>
-              <p:tags r:id="rId22"/>
+              <p:tags r:id="rId21"/>
             </p:custDataLst>
           </p:nvPr>
         </p:nvSpPr>
@@ -13515,7 +13543,7 @@
           <p:cNvCxnSpPr/>
           <p:nvPr>
             <p:custDataLst>
-              <p:tags r:id="rId23"/>
+              <p:tags r:id="rId22"/>
             </p:custDataLst>
           </p:nvPr>
         </p:nvCxnSpPr>
@@ -13854,7 +13882,7 @@
           </p:cNvSpPr>
           <p:nvPr>
             <p:custDataLst>
-              <p:tags r:id="rId24"/>
+              <p:tags r:id="rId23"/>
             </p:custDataLst>
           </p:nvPr>
         </p:nvSpPr>
@@ -15942,7 +15970,7 @@
           </p:cNvGraphicFramePr>
           <p:nvPr>
             <p:custDataLst>
-              <p:tags r:id="rId13"/>
+              <p:tags r:id="rId12"/>
             </p:custDataLst>
           </p:nvPr>
         </p:nvGraphicFramePr>
@@ -15954,12 +15982,12 @@
           <a:graphicData uri="http://schemas.openxmlformats.org/presentationml/2006/ole">
             <mc:AlternateContent xmlns:mc="http://schemas.openxmlformats.org/markup-compatibility/2006">
               <mc:Choice xmlns:v="urn:schemas-microsoft-com:vml" Requires="v">
-                <p:oleObj spid="_x0000_s18461" name="think-cell Slide" r:id="rId14" imgW="270" imgH="270" progId="TCLayout.ActiveDocument.1">
+                <p:oleObj name="think-cell Slide" r:id="rId13" imgW="270" imgH="270" progId="TCLayout.ActiveDocument.1">
                   <p:embed/>
                 </p:oleObj>
               </mc:Choice>
               <mc:Fallback>
-                <p:oleObj name="think-cell Slide" r:id="rId14" imgW="270" imgH="270" progId="TCLayout.ActiveDocument.1">
+                <p:oleObj name="think-cell Slide" r:id="rId13" imgW="270" imgH="270" progId="TCLayout.ActiveDocument.1">
                   <p:embed/>
                   <p:pic>
                     <p:nvPicPr>
@@ -15970,7 +15998,7 @@
                       <p:nvPr/>
                     </p:nvPicPr>
                     <p:blipFill>
-                      <a:blip r:embed="rId15">
+                      <a:blip r:embed="rId14">
                         <a:extLst>
                           <a:ext uri="{28A0092B-C50C-407E-A947-70E740481C1C}">
                             <a14:useLocalDpi xmlns:a14="http://schemas.microsoft.com/office/drawing/2010/main" val="0"/>
@@ -18335,7 +18363,7 @@
             </a:pPr>
             <a:r>
               <a:rPr lang="en-IN" altLang="nl-NL" dirty="0"/>
-              <a:t>Created and Completed Shopping Cart Application Case Study along with JWT Authentication &amp; Authorisation, Swagger using Microservice Architecture with Angular Material UI and Bootstrap using My SQL &amp; MongoDB Atlas Databases.</a:t>
+              <a:t>Created and Completed Shopping Cart Application Case Study along with JWT Authentication Swagger using Microservice Architecture with Angular Material UI and Bootstrap using My SQL &amp; MongoDB Atlas Databases.</a:t>
             </a:r>
           </a:p>
           <a:p>
@@ -20918,21 +20946,6 @@
 </file>
 
 <file path=customXml/item1.xml><?xml version="1.0" encoding="utf-8"?>
-<p:properties xmlns:p="http://schemas.microsoft.com/office/2006/metadata/properties" xmlns:xsi="http://www.w3.org/2001/XMLSchema-instance" xmlns:pc="http://schemas.microsoft.com/office/infopath/2007/PartnerControls">
-  <documentManagement/>
-</p:properties>
-</file>
-
-<file path=customXml/item2.xml><?xml version="1.0" encoding="utf-8"?>
-<?mso-contentType ?>
-<FormTemplates xmlns="http://schemas.microsoft.com/sharepoint/v3/contenttype/forms">
-  <Display>DocumentLibraryForm</Display>
-  <Edit>DocumentLibraryForm</Edit>
-  <New>DocumentLibraryForm</New>
-</FormTemplates>
-</file>
-
-<file path=customXml/item3.xml><?xml version="1.0" encoding="utf-8"?>
 <ct:contentTypeSchema xmlns:ct="http://schemas.microsoft.com/office/2006/metadata/contentType" xmlns:ma="http://schemas.microsoft.com/office/2006/metadata/properties/metaAttributes" ct:_="" ma:_="" ma:contentTypeName="Document" ma:contentTypeID="0x010100C33155D503BFC942A57BA969F1C4EED5" ma:contentTypeVersion="13" ma:contentTypeDescription="Create a new document." ma:contentTypeScope="" ma:versionID="c80b1f7ea370ae896a5b6e523a0cf15c">
   <xsd:schema xmlns:xsd="http://www.w3.org/2001/XMLSchema" xmlns:xs="http://www.w3.org/2001/XMLSchema" xmlns:p="http://schemas.microsoft.com/office/2006/metadata/properties" xmlns:ns3="25289c4b-8fd1-4155-b56f-82d6fa13afd3" xmlns:ns4="c43bfbf7-b5f8-4451-8464-ef79a2e28ca1" targetNamespace="http://schemas.microsoft.com/office/2006/metadata/properties" ma:root="true" ma:fieldsID="376fee7e205f44b9967171b065daf661" ns3:_="" ns4:_="">
     <xsd:import namespace="25289c4b-8fd1-4155-b56f-82d6fa13afd3"/>
@@ -21155,24 +21168,22 @@
 </ct:contentTypeSchema>
 </file>
 
-<file path=customXml/itemProps1.xml><?xml version="1.0" encoding="utf-8"?>
-<ds:datastoreItem xmlns:ds="http://schemas.openxmlformats.org/officeDocument/2006/customXml" ds:itemID="{5430857F-5B57-4BA6-87F2-356B3F6438EF}">
-  <ds:schemaRefs>
-    <ds:schemaRef ds:uri="http://schemas.microsoft.com/office/2006/metadata/properties"/>
-    <ds:schemaRef ds:uri="http://schemas.microsoft.com/office/infopath/2007/PartnerControls"/>
-  </ds:schemaRefs>
-</ds:datastoreItem>
+<file path=customXml/item2.xml><?xml version="1.0" encoding="utf-8"?>
+<?mso-contentType ?>
+<FormTemplates xmlns="http://schemas.microsoft.com/sharepoint/v3/contenttype/forms">
+  <Display>DocumentLibraryForm</Display>
+  <Edit>DocumentLibraryForm</Edit>
+  <New>DocumentLibraryForm</New>
+</FormTemplates>
 </file>
 
-<file path=customXml/itemProps2.xml><?xml version="1.0" encoding="utf-8"?>
-<ds:datastoreItem xmlns:ds="http://schemas.openxmlformats.org/officeDocument/2006/customXml" ds:itemID="{C79773B3-BEED-4422-883D-E6632C7C7120}">
-  <ds:schemaRefs>
-    <ds:schemaRef ds:uri="http://schemas.microsoft.com/sharepoint/v3/contenttype/forms"/>
-  </ds:schemaRefs>
-</ds:datastoreItem>
+<file path=customXml/item3.xml><?xml version="1.0" encoding="utf-8"?>
+<p:properties xmlns:p="http://schemas.microsoft.com/office/2006/metadata/properties" xmlns:xsi="http://www.w3.org/2001/XMLSchema-instance" xmlns:pc="http://schemas.microsoft.com/office/infopath/2007/PartnerControls">
+  <documentManagement/>
+</p:properties>
 </file>
 
-<file path=customXml/itemProps3.xml><?xml version="1.0" encoding="utf-8"?>
+<file path=customXml/itemProps1.xml><?xml version="1.0" encoding="utf-8"?>
 <ds:datastoreItem xmlns:ds="http://schemas.openxmlformats.org/officeDocument/2006/customXml" ds:itemID="{E53A1F87-ED7F-4CA8-8D06-B3888A424EC9}">
   <ds:schemaRefs>
     <ds:schemaRef ds:uri="http://schemas.microsoft.com/office/2006/metadata/contentType"/>
@@ -21189,4 +21200,21 @@
     <ds:schemaRef ds:uri="http://schemas.microsoft.com/internal/obd"/>
   </ds:schemaRefs>
 </ds:datastoreItem>
+</file>
+
+<file path=customXml/itemProps2.xml><?xml version="1.0" encoding="utf-8"?>
+<ds:datastoreItem xmlns:ds="http://schemas.openxmlformats.org/officeDocument/2006/customXml" ds:itemID="{C79773B3-BEED-4422-883D-E6632C7C7120}">
+  <ds:schemaRefs>
+    <ds:schemaRef ds:uri="http://schemas.microsoft.com/sharepoint/v3/contenttype/forms"/>
+  </ds:schemaRefs>
+</ds:datastoreItem>
+</file>
+
+<file path=customXml/itemProps3.xml><?xml version="1.0" encoding="utf-8"?>
+<ds:datastoreItem xmlns:ds="http://schemas.openxmlformats.org/officeDocument/2006/customXml" ds:itemID="{5430857F-5B57-4BA6-87F2-356B3F6438EF}">
+  <ds:schemaRefs>
+    <ds:schemaRef ds:uri="http://schemas.microsoft.com/office/2006/metadata/properties"/>
+    <ds:schemaRef ds:uri="http://schemas.microsoft.com/office/infopath/2007/PartnerControls"/>
+  </ds:schemaRefs>
+</ds:datastoreItem>
 </file>
--- a/ONEPAGER-Lakshmi Jha.pptx
+++ b/ONEPAGER-Lakshmi Jha.pptx
@@ -150,18 +150,18 @@
   <pc:docChgLst>
     <pc:chgData name="Lakshmi Jha" userId="13477075da94b68e" providerId="LiveId" clId="{560C51C4-93DA-4466-9154-060D591F9003}"/>
     <pc:docChg chg="undo custSel modSld">
-      <pc:chgData name="Lakshmi Jha" userId="13477075da94b68e" providerId="LiveId" clId="{560C51C4-93DA-4466-9154-060D591F9003}" dt="2021-10-05T02:38:16.582" v="43" actId="20577"/>
+      <pc:chgData name="Lakshmi Jha" userId="13477075da94b68e" providerId="LiveId" clId="{560C51C4-93DA-4466-9154-060D591F9003}" dt="2021-10-10T12:20:54.409" v="173"/>
       <pc:docMkLst>
         <pc:docMk/>
       </pc:docMkLst>
       <pc:sldChg chg="modSp mod">
-        <pc:chgData name="Lakshmi Jha" userId="13477075da94b68e" providerId="LiveId" clId="{560C51C4-93DA-4466-9154-060D591F9003}" dt="2021-10-05T02:38:16.582" v="43" actId="20577"/>
+        <pc:chgData name="Lakshmi Jha" userId="13477075da94b68e" providerId="LiveId" clId="{560C51C4-93DA-4466-9154-060D591F9003}" dt="2021-10-10T12:20:54.409" v="173"/>
         <pc:sldMkLst>
           <pc:docMk/>
           <pc:sldMk cId="2035430305" sldId="1990"/>
         </pc:sldMkLst>
         <pc:spChg chg="mod">
-          <ac:chgData name="Lakshmi Jha" userId="13477075da94b68e" providerId="LiveId" clId="{560C51C4-93DA-4466-9154-060D591F9003}" dt="2021-10-05T02:38:16.582" v="43" actId="20577"/>
+          <ac:chgData name="Lakshmi Jha" userId="13477075da94b68e" providerId="LiveId" clId="{560C51C4-93DA-4466-9154-060D591F9003}" dt="2021-10-10T04:34:51.124" v="167" actId="20577"/>
           <ac:spMkLst>
             <pc:docMk/>
             <pc:sldMk cId="2035430305" sldId="1990"/>
@@ -169,13 +169,29 @@
           </ac:spMkLst>
         </pc:spChg>
         <pc:spChg chg="mod">
-          <ac:chgData name="Lakshmi Jha" userId="13477075da94b68e" providerId="LiveId" clId="{560C51C4-93DA-4466-9154-060D591F9003}" dt="2021-10-05T02:36:35.387" v="37" actId="20577"/>
+          <ac:chgData name="Lakshmi Jha" userId="13477075da94b68e" providerId="LiveId" clId="{560C51C4-93DA-4466-9154-060D591F9003}" dt="2021-10-10T04:32:29.087" v="111" actId="113"/>
           <ac:spMkLst>
             <pc:docMk/>
             <pc:sldMk cId="2035430305" sldId="1990"/>
             <ac:spMk id="7175" creationId="{BADEA8C0-D1A3-4608-9E63-683339DCC944}"/>
           </ac:spMkLst>
         </pc:spChg>
+        <pc:graphicFrameChg chg="modGraphic">
+          <ac:chgData name="Lakshmi Jha" userId="13477075da94b68e" providerId="LiveId" clId="{560C51C4-93DA-4466-9154-060D591F9003}" dt="2021-10-10T04:35:36.343" v="172" actId="20577"/>
+          <ac:graphicFrameMkLst>
+            <pc:docMk/>
+            <pc:sldMk cId="2035430305" sldId="1990"/>
+            <ac:graphicFrameMk id="2" creationId="{B8B0DC3D-A319-4B78-A461-3FAC5C106C85}"/>
+          </ac:graphicFrameMkLst>
+        </pc:graphicFrameChg>
+        <pc:picChg chg="mod">
+          <ac:chgData name="Lakshmi Jha" userId="13477075da94b68e" providerId="LiveId" clId="{560C51C4-93DA-4466-9154-060D591F9003}" dt="2021-10-10T12:20:54.409" v="173"/>
+          <ac:picMkLst>
+            <pc:docMk/>
+            <pc:sldMk cId="2035430305" sldId="1990"/>
+            <ac:picMk id="7181" creationId="{568E79A1-196A-4599-9F1F-AD39B99F1222}"/>
+          </ac:picMkLst>
+        </pc:picChg>
       </pc:sldChg>
     </pc:docChg>
   </pc:docChgLst>
@@ -277,7 +293,7 @@
             <a:fld id="{86C988DC-9DE3-4390-97AB-D61B85DACE57}" type="datetimeFigureOut">
               <a:rPr lang="pt-PT" sz="900" smtClean="0"/>
               <a:pPr/>
-              <a:t>05/10/2021</a:t>
+              <a:t>10/10/2021</a:t>
             </a:fld>
             <a:endParaRPr lang="pt-PT" sz="900"/>
           </a:p>
@@ -456,7 +472,7 @@
             <a:fld id="{0835B8F7-DAC4-4931-8AED-4356A8B2FD64}" type="datetimeFigureOut">
               <a:rPr lang="pt-BR" smtClean="0"/>
               <a:pPr/>
-              <a:t>05/10/2021</a:t>
+              <a:t>10/10/2021</a:t>
             </a:fld>
             <a:endParaRPr lang="pt-BR"/>
           </a:p>
@@ -13030,7 +13046,7 @@
             <a:fld id="{425404F2-BE9A-4460-8815-8F645183555F}" type="datetimeFigureOut">
               <a:rPr lang="en-US" smtClean="0"/>
               <a:pPr/>
-              <a:t>10/5/2021</a:t>
+              <a:t>10/10/2021</a:t>
             </a:fld>
             <a:endParaRPr lang="en-US"/>
           </a:p>
@@ -17303,7 +17319,7 @@
           <p:nvPr>
             <p:extLst>
               <p:ext uri="{D42A27DB-BD31-4B8C-83A1-F6EECF244321}">
-                <p14:modId xmlns:p14="http://schemas.microsoft.com/office/powerpoint/2010/main" val="3403096949"/>
+                <p14:modId xmlns:p14="http://schemas.microsoft.com/office/powerpoint/2010/main" val="2646326958"/>
               </p:ext>
             </p:extLst>
           </p:nvPr>
@@ -18183,7 +18199,7 @@
                           <a:ea typeface="+mn-ea"/>
                           <a:cs typeface="+mn-cs"/>
                         </a:rPr>
-                        <a:t>EC2, S3, Lambda, IAM, ELB, Autoscaling, Basic VPC Knowledge</a:t>
+                        <a:t>EC2, S3, Lambda, RDS, IAM, ELB, Autoscaling, Basic VPC Knowledge</a:t>
                       </a:r>
                     </a:p>
                   </a:txBody>
@@ -18367,6 +18383,19 @@
             </a:r>
           </a:p>
           <a:p>
+            <a:pPr marL="171450" indent="-171450" algn="just">
+              <a:lnSpc>
+                <a:spcPct val="114000"/>
+              </a:lnSpc>
+              <a:buFont typeface="Courier New" panose="02070309020205020404" pitchFamily="49" charset="0"/>
+              <a:buChar char="o"/>
+            </a:pPr>
+            <a:r>
+              <a:rPr lang="en-IN" altLang="nl-NL" dirty="0"/>
+              <a:t>Microservice deployed on Amazon EC2 and Amazon RDS.</a:t>
+            </a:r>
+          </a:p>
+          <a:p>
             <a:pPr algn="just"/>
             <a:r>
               <a:rPr lang="en-IN" altLang="nl-NL" dirty="0"/>
@@ -18870,6 +18899,46 @@
               <a:rPr lang="en-US" dirty="0"/>
               <a:t> with  Angular forms, Angular routing, bootstrap and Angular Material.</a:t>
             </a:r>
+          </a:p>
+          <a:p>
+            <a:pPr marL="171450" indent="-171450">
+              <a:buFont typeface="Arial" panose="020B0604020202020204" pitchFamily="34" charset="0"/>
+              <a:buChar char="•"/>
+            </a:pPr>
+            <a:r>
+              <a:rPr lang="en-US" dirty="0"/>
+              <a:t>Hands on understanding of </a:t>
+            </a:r>
+            <a:r>
+              <a:rPr lang="en-US" b="1" dirty="0"/>
+              <a:t>deploying Spring Boot</a:t>
+            </a:r>
+            <a:r>
+              <a:rPr lang="en-US" dirty="0"/>
+              <a:t> applications in </a:t>
+            </a:r>
+            <a:r>
+              <a:rPr lang="en-US" b="1" dirty="0"/>
+              <a:t>AWS Cloud</a:t>
+            </a:r>
+            <a:r>
+              <a:rPr lang="en-US" dirty="0"/>
+              <a:t> environment using </a:t>
+            </a:r>
+            <a:r>
+              <a:rPr lang="en-US" b="1" dirty="0"/>
+              <a:t>EC2</a:t>
+            </a:r>
+            <a:r>
+              <a:rPr lang="en-US" dirty="0"/>
+              <a:t> and </a:t>
+            </a:r>
+            <a:r>
+              <a:rPr lang="en-US" b="1" dirty="0"/>
+              <a:t>Amazon RDS.</a:t>
+            </a:r>
+          </a:p>
+          <a:p>
             <a:br>
               <a:rPr lang="en-US" altLang="nl-NL" dirty="0"/>
             </a:br>
@@ -20946,6 +21015,12 @@
 </file>
 
 <file path=customXml/item1.xml><?xml version="1.0" encoding="utf-8"?>
+<p:properties xmlns:p="http://schemas.microsoft.com/office/2006/metadata/properties" xmlns:xsi="http://www.w3.org/2001/XMLSchema-instance" xmlns:pc="http://schemas.microsoft.com/office/infopath/2007/PartnerControls">
+  <documentManagement/>
+</p:properties>
+</file>
+
+<file path=customXml/item2.xml><?xml version="1.0" encoding="utf-8"?>
 <ct:contentTypeSchema xmlns:ct="http://schemas.microsoft.com/office/2006/metadata/contentType" xmlns:ma="http://schemas.microsoft.com/office/2006/metadata/properties/metaAttributes" ct:_="" ma:_="" ma:contentTypeName="Document" ma:contentTypeID="0x010100C33155D503BFC942A57BA969F1C4EED5" ma:contentTypeVersion="13" ma:contentTypeDescription="Create a new document." ma:contentTypeScope="" ma:versionID="c80b1f7ea370ae896a5b6e523a0cf15c">
   <xsd:schema xmlns:xsd="http://www.w3.org/2001/XMLSchema" xmlns:xs="http://www.w3.org/2001/XMLSchema" xmlns:p="http://schemas.microsoft.com/office/2006/metadata/properties" xmlns:ns3="25289c4b-8fd1-4155-b56f-82d6fa13afd3" xmlns:ns4="c43bfbf7-b5f8-4451-8464-ef79a2e28ca1" targetNamespace="http://schemas.microsoft.com/office/2006/metadata/properties" ma:root="true" ma:fieldsID="376fee7e205f44b9967171b065daf661" ns3:_="" ns4:_="">
     <xsd:import namespace="25289c4b-8fd1-4155-b56f-82d6fa13afd3"/>
@@ -21168,7 +21243,7 @@
 </ct:contentTypeSchema>
 </file>
 
-<file path=customXml/item2.xml><?xml version="1.0" encoding="utf-8"?>
+<file path=customXml/item3.xml><?xml version="1.0" encoding="utf-8"?>
 <?mso-contentType ?>
 <FormTemplates xmlns="http://schemas.microsoft.com/sharepoint/v3/contenttype/forms">
   <Display>DocumentLibraryForm</Display>
@@ -21177,13 +21252,16 @@
 </FormTemplates>
 </file>
 
-<file path=customXml/item3.xml><?xml version="1.0" encoding="utf-8"?>
-<p:properties xmlns:p="http://schemas.microsoft.com/office/2006/metadata/properties" xmlns:xsi="http://www.w3.org/2001/XMLSchema-instance" xmlns:pc="http://schemas.microsoft.com/office/infopath/2007/PartnerControls">
-  <documentManagement/>
-</p:properties>
+<file path=customXml/itemProps1.xml><?xml version="1.0" encoding="utf-8"?>
+<ds:datastoreItem xmlns:ds="http://schemas.openxmlformats.org/officeDocument/2006/customXml" ds:itemID="{5430857F-5B57-4BA6-87F2-356B3F6438EF}">
+  <ds:schemaRefs>
+    <ds:schemaRef ds:uri="http://schemas.microsoft.com/office/2006/metadata/properties"/>
+    <ds:schemaRef ds:uri="http://schemas.microsoft.com/office/infopath/2007/PartnerControls"/>
+  </ds:schemaRefs>
+</ds:datastoreItem>
 </file>
 
-<file path=customXml/itemProps1.xml><?xml version="1.0" encoding="utf-8"?>
+<file path=customXml/itemProps2.xml><?xml version="1.0" encoding="utf-8"?>
 <ds:datastoreItem xmlns:ds="http://schemas.openxmlformats.org/officeDocument/2006/customXml" ds:itemID="{E53A1F87-ED7F-4CA8-8D06-B3888A424EC9}">
   <ds:schemaRefs>
     <ds:schemaRef ds:uri="http://schemas.microsoft.com/office/2006/metadata/contentType"/>
@@ -21202,19 +21280,10 @@
 </ds:datastoreItem>
 </file>
 
-<file path=customXml/itemProps2.xml><?xml version="1.0" encoding="utf-8"?>
+<file path=customXml/itemProps3.xml><?xml version="1.0" encoding="utf-8"?>
 <ds:datastoreItem xmlns:ds="http://schemas.openxmlformats.org/officeDocument/2006/customXml" ds:itemID="{C79773B3-BEED-4422-883D-E6632C7C7120}">
   <ds:schemaRefs>
     <ds:schemaRef ds:uri="http://schemas.microsoft.com/sharepoint/v3/contenttype/forms"/>
   </ds:schemaRefs>
 </ds:datastoreItem>
-</file>
-
-<file path=customXml/itemProps3.xml><?xml version="1.0" encoding="utf-8"?>
-<ds:datastoreItem xmlns:ds="http://schemas.openxmlformats.org/officeDocument/2006/customXml" ds:itemID="{5430857F-5B57-4BA6-87F2-356B3F6438EF}">
-  <ds:schemaRefs>
-    <ds:schemaRef ds:uri="http://schemas.microsoft.com/office/2006/metadata/properties"/>
-    <ds:schemaRef ds:uri="http://schemas.microsoft.com/office/infopath/2007/PartnerControls"/>
-  </ds:schemaRefs>
-</ds:datastoreItem>
 </file>